--- a/powerpoint/Session2.pptx
+++ b/powerpoint/Session2.pptx
@@ -12721,7 +12721,7 @@
                 <a:latin typeface="Calibri"/>
                 <a:ea typeface="DejaVu Sans"/>
               </a:rPr>
-              <a:t>March</a:t>
+              <a:t>May</a:t>
             </a:r>
             <a:r>
               <a:rPr lang="en-US" sz="3200" b="0" strike="noStrike" spc="-1" dirty="0">
@@ -17578,7 +17578,7 @@
                 <a:latin typeface="Calibri"/>
                 <a:ea typeface="DejaVu Sans"/>
               </a:rPr>
-              <a:t>March</a:t>
+              <a:t>May</a:t>
             </a:r>
             <a:r>
               <a:rPr lang="en-US" sz="3200" b="0" strike="noStrike" spc="-1" dirty="0">
